--- a/project-01/docs/Cooney_project_01_proposal.pptx
+++ b/project-01/docs/Cooney_project_01_proposal.pptx
@@ -5,17 +5,19 @@
     <p:sldMasterId id="2147483648" r:id="rId1"/>
   </p:sldMasterIdLst>
   <p:notesMasterIdLst>
-    <p:notesMasterId r:id="rId7"/>
+    <p:notesMasterId r:id="rId9"/>
   </p:notesMasterIdLst>
   <p:handoutMasterIdLst>
-    <p:handoutMasterId r:id="rId8"/>
+    <p:handoutMasterId r:id="rId10"/>
   </p:handoutMasterIdLst>
   <p:sldIdLst>
     <p:sldId id="261" r:id="rId2"/>
     <p:sldId id="367" r:id="rId3"/>
     <p:sldId id="368" r:id="rId4"/>
-    <p:sldId id="370" r:id="rId5"/>
+    <p:sldId id="372" r:id="rId5"/>
     <p:sldId id="369" r:id="rId6"/>
+    <p:sldId id="373" r:id="rId7"/>
+    <p:sldId id="374" r:id="rId8"/>
   </p:sldIdLst>
   <p:sldSz cx="12192000" cy="6858000"/>
   <p:notesSz cx="6858000" cy="9144000"/>
@@ -218,7 +220,7 @@
           <a:p>
             <a:fld id="{59041DB8-B66F-4DC8-A96E-33677E0F90FF}" type="datetimeFigureOut">
               <a:rPr lang="en-US" smtClean="0"/>
-              <a:t>2/10/23</a:t>
+              <a:t>2/16/23</a:t>
             </a:fld>
             <a:endParaRPr lang="en-US"/>
           </a:p>
@@ -383,7 +385,7 @@
           <a:p>
             <a:fld id="{DEB49C4A-65AC-492D-9701-81B46C3AD0E4}" type="datetimeFigureOut">
               <a:rPr lang="en-US" smtClean="0"/>
-              <a:t>2/10/23</a:t>
+              <a:t>2/16/23</a:t>
             </a:fld>
             <a:endParaRPr lang="en-US"/>
           </a:p>
@@ -2791,7 +2793,7 @@
           <a:p>
             <a:fld id="{384A29A4-78C8-47AB-BA06-22CB45938951}" type="datetime1">
               <a:rPr lang="en-US" smtClean="0"/>
-              <a:t>2/10/23</a:t>
+              <a:t>2/16/23</a:t>
             </a:fld>
             <a:endParaRPr lang="en-US"/>
           </a:p>
@@ -2986,7 +2988,7 @@
           <a:p>
             <a:fld id="{E1ED4ACF-2D82-46F2-A8E9-23963AA34E86}" type="datetime1">
               <a:rPr lang="en-US" smtClean="0"/>
-              <a:t>2/10/23</a:t>
+              <a:t>2/16/23</a:t>
             </a:fld>
             <a:endParaRPr lang="en-US"/>
           </a:p>
@@ -3180,7 +3182,7 @@
           <a:p>
             <a:fld id="{AE374B5B-21A0-4192-BF4C-38187F1A68D8}" type="datetime1">
               <a:rPr lang="en-US" smtClean="0"/>
-              <a:t>2/10/23</a:t>
+              <a:t>2/16/23</a:t>
             </a:fld>
             <a:endParaRPr lang="en-US"/>
           </a:p>
@@ -5521,7 +5523,7 @@
           <a:p>
             <a:fld id="{33B5CF7C-B333-48E1-A4A6-83A3C8B73AC0}" type="datetime1">
               <a:rPr lang="en-US" smtClean="0"/>
-              <a:t>2/10/23</a:t>
+              <a:t>2/16/23</a:t>
             </a:fld>
             <a:endParaRPr lang="en-US"/>
           </a:p>
@@ -5974,7 +5976,7 @@
           <a:p>
             <a:fld id="{AE320762-5CBF-4210-AB54-376B091119F8}" type="datetime1">
               <a:rPr lang="en-US" smtClean="0"/>
-              <a:t>2/10/23</a:t>
+              <a:t>2/16/23</a:t>
             </a:fld>
             <a:endParaRPr lang="en-US"/>
           </a:p>
@@ -6106,7 +6108,7 @@
           <a:p>
             <a:fld id="{7F0DB371-BF5F-4058-A212-1A908E4D2674}" type="datetime1">
               <a:rPr lang="en-US" smtClean="0"/>
-              <a:t>2/10/23</a:t>
+              <a:t>2/16/23</a:t>
             </a:fld>
             <a:endParaRPr lang="en-US"/>
           </a:p>
@@ -8039,7 +8041,7 @@
           <a:p>
             <a:fld id="{60A4083B-90AA-48CF-BAD5-00AA24D7F288}" type="datetime1">
               <a:rPr lang="en-US" smtClean="0"/>
-              <a:t>2/10/23</a:t>
+              <a:t>2/16/23</a:t>
             </a:fld>
             <a:endParaRPr lang="en-US"/>
           </a:p>
@@ -10298,7 +10300,7 @@
             <a:fld id="{F5BAF629-ECA2-4CF3-B790-9D9BDED98269}" type="datetime1">
               <a:rPr lang="en-US" smtClean="0"/>
               <a:pPr/>
-              <a:t>2/10/23</a:t>
+              <a:t>2/16/23</a:t>
             </a:fld>
             <a:endParaRPr lang="en-US"/>
           </a:p>
@@ -14593,7 +14595,7 @@
             <a:fld id="{B51B2453-8663-4C69-AF73-9FD7B1DEC5D0}" type="datetime1">
               <a:rPr lang="en-US" smtClean="0"/>
               <a:pPr/>
-              <a:t>2/10/23</a:t>
+              <a:t>2/16/23</a:t>
             </a:fld>
             <a:endParaRPr lang="en-US" dirty="0"/>
           </a:p>
@@ -15463,40 +15465,12 @@
           <a:chExt cx="0" cy="0"/>
         </a:xfrm>
       </p:grpSpPr>
-      <p:sp>
-        <p:nvSpPr>
-          <p:cNvPr id="2" name="Title 1">
+      <p:pic>
+        <p:nvPicPr>
+          <p:cNvPr id="6" name="Picture 5" descr="Diagram&#10;&#10;Description automatically generated">
             <a:extLst>
               <a:ext uri="{FF2B5EF4-FFF2-40B4-BE49-F238E27FC236}">
-                <a16:creationId xmlns:a16="http://schemas.microsoft.com/office/drawing/2014/main" id="{562DFEA3-93A8-4943-9F3A-4798FB13F643}"/>
-              </a:ext>
-            </a:extLst>
-          </p:cNvPr>
-          <p:cNvSpPr>
-            <a:spLocks noGrp="1"/>
-          </p:cNvSpPr>
-          <p:nvPr>
-            <p:ph type="title"/>
-          </p:nvPr>
-        </p:nvSpPr>
-        <p:spPr/>
-        <p:txBody>
-          <a:bodyPr/>
-          <a:lstStyle/>
-          <a:p>
-            <a:r>
-              <a:rPr lang="en-US" dirty="0"/>
-              <a:t>Power Block Diagram</a:t>
-            </a:r>
-          </a:p>
-        </p:txBody>
-      </p:sp>
-      <p:pic>
-        <p:nvPicPr>
-          <p:cNvPr id="8" name="Picture 7" descr="A picture containing text, crossword puzzle&#10;&#10;Description automatically generated">
-            <a:extLst>
-              <a:ext uri="{FF2B5EF4-FFF2-40B4-BE49-F238E27FC236}">
-                <a16:creationId xmlns:a16="http://schemas.microsoft.com/office/drawing/2014/main" id="{122AD12E-474A-EFED-9DC8-8241CD1E57F1}"/>
+                <a16:creationId xmlns:a16="http://schemas.microsoft.com/office/drawing/2014/main" id="{41EF4812-160A-F6AD-18D3-49F8EC55EE9D}"/>
               </a:ext>
             </a:extLst>
           </p:cNvPr>
@@ -15505,16 +15479,15 @@
           </p:cNvPicPr>
           <p:nvPr/>
         </p:nvPicPr>
-        <p:blipFill>
+        <p:blipFill rotWithShape="1">
           <a:blip r:embed="rId2"/>
-          <a:stretch>
-            <a:fillRect/>
-          </a:stretch>
+          <a:srcRect l="15058"/>
+          <a:stretch/>
         </p:blipFill>
         <p:spPr>
           <a:xfrm>
-            <a:off x="2590800" y="1143001"/>
-            <a:ext cx="7696200" cy="4969309"/>
+            <a:off x="990600" y="71727"/>
+            <a:ext cx="10745803" cy="6801182"/>
           </a:xfrm>
           <a:prstGeom prst="rect">
             <a:avLst/>
@@ -15524,7 +15497,7 @@
     </p:spTree>
     <p:extLst>
       <p:ext uri="{BB962C8B-B14F-4D97-AF65-F5344CB8AC3E}">
-        <p14:creationId xmlns:p14="http://schemas.microsoft.com/office/powerpoint/2010/main" val="4204615274"/>
+        <p14:creationId xmlns:p14="http://schemas.microsoft.com/office/powerpoint/2010/main" val="1622543892"/>
       </p:ext>
     </p:extLst>
   </p:cSld>
@@ -15607,14 +15580,14 @@
             <p:ph idx="1"/>
             <p:extLst>
               <p:ext uri="{D42A27DB-BD31-4B8C-83A1-F6EECF244321}">
-                <p14:modId xmlns:p14="http://schemas.microsoft.com/office/powerpoint/2010/main" val="931635061"/>
+                <p14:modId xmlns:p14="http://schemas.microsoft.com/office/powerpoint/2010/main" val="2947470265"/>
               </p:ext>
             </p:extLst>
           </p:nvPr>
         </p:nvGraphicFramePr>
         <p:xfrm>
           <a:off x="609600" y="1295400"/>
-          <a:ext cx="10972800" cy="4312920"/>
+          <a:ext cx="10972800" cy="4043680"/>
         </p:xfrm>
         <a:graphic>
           <a:graphicData uri="http://schemas.openxmlformats.org/drawingml/2006/table">
@@ -15767,19 +15740,11 @@
                       </a:r>
                       <a:r>
                         <a:rPr lang="en-US" dirty="0" err="1"/>
-                        <a:t>uxcell</a:t>
+                        <a:t>gp</a:t>
                       </a:r>
                       <a:r>
                         <a:rPr lang="en-US" dirty="0"/>
-                        <a:t>-Microphone-Detection-Digital-Projects/</a:t>
-                      </a:r>
-                      <a:r>
-                        <a:rPr lang="en-US" dirty="0" err="1"/>
-                        <a:t>dp</a:t>
-                      </a:r>
-                      <a:r>
-                        <a:rPr lang="en-US" dirty="0"/>
-                        <a:t>/B07VPWM8WY</a:t>
+                        <a:t>/product/B01MQ2AA0X</a:t>
                       </a:r>
                     </a:p>
                   </a:txBody>
@@ -15805,7 +15770,7 @@
                     <a:p>
                       <a:r>
                         <a:rPr lang="en-US" dirty="0"/>
-                        <a:t>$8.50</a:t>
+                        <a:t>$7.99</a:t>
                       </a:r>
                     </a:p>
                   </a:txBody>
@@ -16104,6 +16069,641 @@
     <p:extLst>
       <p:ext uri="{BB962C8B-B14F-4D97-AF65-F5344CB8AC3E}">
         <p14:creationId xmlns:p14="http://schemas.microsoft.com/office/powerpoint/2010/main" val="1131248096"/>
+      </p:ext>
+    </p:extLst>
+  </p:cSld>
+  <p:clrMapOvr>
+    <a:masterClrMapping/>
+  </p:clrMapOvr>
+  <mc:AlternateContent xmlns:mc="http://schemas.openxmlformats.org/markup-compatibility/2006" xmlns:p14="http://schemas.microsoft.com/office/powerpoint/2010/main">
+    <mc:Choice Requires="p14">
+      <p:transition spd="med" p14:dur="700">
+        <p:fade/>
+      </p:transition>
+    </mc:Choice>
+    <mc:Fallback xmlns="">
+      <p:transition spd="med">
+        <p:fade/>
+      </p:transition>
+    </mc:Fallback>
+  </mc:AlternateContent>
+</p:sld>
+</file>
+
+<file path=ppt/slides/slide6.xml><?xml version="1.0" encoding="utf-8"?>
+<p:sld xmlns:a="http://schemas.openxmlformats.org/drawingml/2006/main" xmlns:r="http://schemas.openxmlformats.org/officeDocument/2006/relationships" xmlns:p="http://schemas.openxmlformats.org/presentationml/2006/main">
+  <p:cSld>
+    <p:spTree>
+      <p:nvGrpSpPr>
+        <p:cNvPr id="1" name=""/>
+        <p:cNvGrpSpPr/>
+        <p:nvPr/>
+      </p:nvGrpSpPr>
+      <p:grpSpPr>
+        <a:xfrm>
+          <a:off x="0" y="0"/>
+          <a:ext cx="0" cy="0"/>
+          <a:chOff x="0" y="0"/>
+          <a:chExt cx="0" cy="0"/>
+        </a:xfrm>
+      </p:grpSpPr>
+      <p:sp>
+        <p:nvSpPr>
+          <p:cNvPr id="2" name="TextBox 1">
+            <a:extLst>
+              <a:ext uri="{FF2B5EF4-FFF2-40B4-BE49-F238E27FC236}">
+                <a16:creationId xmlns:a16="http://schemas.microsoft.com/office/drawing/2014/main" id="{1E4CF3D6-D956-E6F6-191C-DF45899E8E59}"/>
+              </a:ext>
+            </a:extLst>
+          </p:cNvPr>
+          <p:cNvSpPr txBox="1"/>
+          <p:nvPr/>
+        </p:nvSpPr>
+        <p:spPr>
+          <a:xfrm>
+            <a:off x="1028700" y="1104900"/>
+            <a:ext cx="11696700" cy="5632311"/>
+          </a:xfrm>
+          <a:prstGeom prst="rect">
+            <a:avLst/>
+          </a:prstGeom>
+          <a:noFill/>
+        </p:spPr>
+        <p:txBody>
+          <a:bodyPr wrap="square" rtlCol="0">
+            <a:spAutoFit/>
+          </a:bodyPr>
+          <a:lstStyle/>
+          <a:p>
+            <a:r>
+              <a:rPr lang="en-US" sz="2000" dirty="0">
+                <a:latin typeface="Source Sans Pro" panose="020B0503030403020204" pitchFamily="34" charset="0"/>
+                <a:ea typeface="Source Sans Pro" panose="020B0503030403020204" pitchFamily="34" charset="0"/>
+              </a:rPr>
+              <a:t>when POWER == OFF &amp; </a:t>
+            </a:r>
+            <a:r>
+              <a:rPr lang="en-US" sz="2000" dirty="0" err="1">
+                <a:latin typeface="Source Sans Pro" panose="020B0503030403020204" pitchFamily="34" charset="0"/>
+                <a:ea typeface="Source Sans Pro" panose="020B0503030403020204" pitchFamily="34" charset="0"/>
+              </a:rPr>
+              <a:t>powButton</a:t>
+            </a:r>
+            <a:r>
+              <a:rPr lang="en-US" sz="2000" dirty="0">
+                <a:latin typeface="Source Sans Pro" panose="020B0503030403020204" pitchFamily="34" charset="0"/>
+                <a:ea typeface="Source Sans Pro" panose="020B0503030403020204" pitchFamily="34" charset="0"/>
+              </a:rPr>
+              <a:t> == PRESSED: </a:t>
+            </a:r>
+          </a:p>
+          <a:p>
+            <a:r>
+              <a:rPr lang="en-US" sz="2000" dirty="0">
+                <a:latin typeface="Source Sans Pro" panose="020B0503030403020204" pitchFamily="34" charset="0"/>
+                <a:ea typeface="Source Sans Pro" panose="020B0503030403020204" pitchFamily="34" charset="0"/>
+              </a:rPr>
+              <a:t>	turn on </a:t>
+            </a:r>
+          </a:p>
+          <a:p>
+            <a:endParaRPr lang="en-US" sz="2000" dirty="0">
+              <a:latin typeface="Source Sans Pro" panose="020B0503030403020204" pitchFamily="34" charset="0"/>
+              <a:ea typeface="Source Sans Pro" panose="020B0503030403020204" pitchFamily="34" charset="0"/>
+            </a:endParaRPr>
+          </a:p>
+          <a:p>
+            <a:r>
+              <a:rPr lang="en-US" sz="2000" dirty="0">
+                <a:latin typeface="Source Sans Pro" panose="020B0503030403020204" pitchFamily="34" charset="0"/>
+                <a:ea typeface="Source Sans Pro" panose="020B0503030403020204" pitchFamily="34" charset="0"/>
+              </a:rPr>
+              <a:t>when POWER == ON </a:t>
+            </a:r>
+          </a:p>
+          <a:p>
+            <a:r>
+              <a:rPr lang="en-US" sz="2000" dirty="0">
+                <a:latin typeface="Source Sans Pro" panose="020B0503030403020204" pitchFamily="34" charset="0"/>
+                <a:ea typeface="Source Sans Pro" panose="020B0503030403020204" pitchFamily="34" charset="0"/>
+              </a:rPr>
+              <a:t>	LED set == ON, steady state</a:t>
+            </a:r>
+          </a:p>
+          <a:p>
+            <a:r>
+              <a:rPr lang="en-US" sz="2000" dirty="0">
+                <a:latin typeface="Source Sans Pro" panose="020B0503030403020204" pitchFamily="34" charset="0"/>
+                <a:ea typeface="Source Sans Pro" panose="020B0503030403020204" pitchFamily="34" charset="0"/>
+              </a:rPr>
+              <a:t>	</a:t>
+            </a:r>
+            <a:r>
+              <a:rPr lang="en-US" sz="2000" dirty="0" err="1">
+                <a:latin typeface="Source Sans Pro" panose="020B0503030403020204" pitchFamily="34" charset="0"/>
+                <a:ea typeface="Source Sans Pro" panose="020B0503030403020204" pitchFamily="34" charset="0"/>
+              </a:rPr>
+              <a:t>currentTemp</a:t>
+            </a:r>
+            <a:r>
+              <a:rPr lang="en-US" sz="2000" dirty="0">
+                <a:latin typeface="Source Sans Pro" panose="020B0503030403020204" pitchFamily="34" charset="0"/>
+                <a:ea typeface="Source Sans Pro" panose="020B0503030403020204" pitchFamily="34" charset="0"/>
+              </a:rPr>
+              <a:t> = 0</a:t>
+            </a:r>
+          </a:p>
+          <a:p>
+            <a:endParaRPr lang="en-US" sz="2000" dirty="0">
+              <a:latin typeface="Source Sans Pro" panose="020B0503030403020204" pitchFamily="34" charset="0"/>
+              <a:ea typeface="Source Sans Pro" panose="020B0503030403020204" pitchFamily="34" charset="0"/>
+            </a:endParaRPr>
+          </a:p>
+          <a:p>
+            <a:r>
+              <a:rPr lang="en-US" sz="2000" dirty="0">
+                <a:latin typeface="Source Sans Pro" panose="020B0503030403020204" pitchFamily="34" charset="0"/>
+                <a:ea typeface="Source Sans Pro" panose="020B0503030403020204" pitchFamily="34" charset="0"/>
+              </a:rPr>
+              <a:t>when POWER == ON &amp; </a:t>
+            </a:r>
+            <a:r>
+              <a:rPr lang="en-US" sz="2000" dirty="0" err="1">
+                <a:latin typeface="Source Sans Pro" panose="020B0503030403020204" pitchFamily="34" charset="0"/>
+                <a:ea typeface="Source Sans Pro" panose="020B0503030403020204" pitchFamily="34" charset="0"/>
+              </a:rPr>
+              <a:t>syncButton</a:t>
+            </a:r>
+            <a:r>
+              <a:rPr lang="en-US" sz="2000" dirty="0">
+                <a:latin typeface="Source Sans Pro" panose="020B0503030403020204" pitchFamily="34" charset="0"/>
+                <a:ea typeface="Source Sans Pro" panose="020B0503030403020204" pitchFamily="34" charset="0"/>
+              </a:rPr>
+              <a:t> == </a:t>
+            </a:r>
+            <a:r>
+              <a:rPr lang="en-US" sz="2000" dirty="0" err="1">
+                <a:latin typeface="Source Sans Pro" panose="020B0503030403020204" pitchFamily="34" charset="0"/>
+                <a:ea typeface="Source Sans Pro" panose="020B0503030403020204" pitchFamily="34" charset="0"/>
+              </a:rPr>
+              <a:t>wasPressed</a:t>
+            </a:r>
+            <a:r>
+              <a:rPr lang="en-US" sz="2000" dirty="0">
+                <a:latin typeface="Source Sans Pro" panose="020B0503030403020204" pitchFamily="34" charset="0"/>
+                <a:ea typeface="Source Sans Pro" panose="020B0503030403020204" pitchFamily="34" charset="0"/>
+              </a:rPr>
+              <a:t>:</a:t>
+            </a:r>
+          </a:p>
+          <a:p>
+            <a:r>
+              <a:rPr lang="en-US" sz="2000" dirty="0">
+                <a:latin typeface="Source Sans Pro" panose="020B0503030403020204" pitchFamily="34" charset="0"/>
+                <a:ea typeface="Source Sans Pro" panose="020B0503030403020204" pitchFamily="34" charset="0"/>
+              </a:rPr>
+              <a:t>	while (</a:t>
+            </a:r>
+            <a:r>
+              <a:rPr lang="en-US" sz="2000" dirty="0" err="1">
+                <a:latin typeface="Source Sans Pro" panose="020B0503030403020204" pitchFamily="34" charset="0"/>
+                <a:ea typeface="Source Sans Pro" panose="020B0503030403020204" pitchFamily="34" charset="0"/>
+              </a:rPr>
+              <a:t>tempoNOTfound</a:t>
+            </a:r>
+            <a:r>
+              <a:rPr lang="en-US" sz="2000" dirty="0">
+                <a:latin typeface="Source Sans Pro" panose="020B0503030403020204" pitchFamily="34" charset="0"/>
+                <a:ea typeface="Source Sans Pro" panose="020B0503030403020204" pitchFamily="34" charset="0"/>
+              </a:rPr>
+              <a:t>)	</a:t>
+            </a:r>
+          </a:p>
+          <a:p>
+            <a:r>
+              <a:rPr lang="en-US" sz="2000" dirty="0">
+                <a:latin typeface="Source Sans Pro" panose="020B0503030403020204" pitchFamily="34" charset="0"/>
+                <a:ea typeface="Source Sans Pro" panose="020B0503030403020204" pitchFamily="34" charset="0"/>
+              </a:rPr>
+              <a:t>		Blink all LEDs in set simultaneously</a:t>
+            </a:r>
+          </a:p>
+          <a:p>
+            <a:r>
+              <a:rPr lang="en-US" sz="2000" dirty="0">
+                <a:latin typeface="Source Sans Pro" panose="020B0503030403020204" pitchFamily="34" charset="0"/>
+                <a:ea typeface="Source Sans Pro" panose="020B0503030403020204" pitchFamily="34" charset="0"/>
+              </a:rPr>
+              <a:t>		Activate USB microphone</a:t>
+            </a:r>
+          </a:p>
+          <a:p>
+            <a:r>
+              <a:rPr lang="en-US" sz="2000" dirty="0">
+                <a:latin typeface="Source Sans Pro" panose="020B0503030403020204" pitchFamily="34" charset="0"/>
+                <a:ea typeface="Source Sans Pro" panose="020B0503030403020204" pitchFamily="34" charset="0"/>
+              </a:rPr>
+              <a:t>		Analyze AUDIO input</a:t>
+            </a:r>
+          </a:p>
+          <a:p>
+            <a:r>
+              <a:rPr lang="en-US" sz="2000" dirty="0">
+                <a:latin typeface="Source Sans Pro" panose="020B0503030403020204" pitchFamily="34" charset="0"/>
+                <a:ea typeface="Source Sans Pro" panose="020B0503030403020204" pitchFamily="34" charset="0"/>
+              </a:rPr>
+              <a:t>	</a:t>
+            </a:r>
+            <a:r>
+              <a:rPr lang="en-US" sz="2000" dirty="0" err="1">
+                <a:latin typeface="Source Sans Pro" panose="020B0503030403020204" pitchFamily="34" charset="0"/>
+                <a:ea typeface="Source Sans Pro" panose="020B0503030403020204" pitchFamily="34" charset="0"/>
+              </a:rPr>
+              <a:t>currentTemp</a:t>
+            </a:r>
+            <a:r>
+              <a:rPr lang="en-US" sz="2000" dirty="0">
+                <a:latin typeface="Source Sans Pro" panose="020B0503030403020204" pitchFamily="34" charset="0"/>
+                <a:ea typeface="Source Sans Pro" panose="020B0503030403020204" pitchFamily="34" charset="0"/>
+              </a:rPr>
+              <a:t> == Tempo found by analysis</a:t>
+            </a:r>
+          </a:p>
+          <a:p>
+            <a:r>
+              <a:rPr lang="en-US" sz="2000" dirty="0">
+                <a:latin typeface="Source Sans Pro" panose="020B0503030403020204" pitchFamily="34" charset="0"/>
+                <a:ea typeface="Source Sans Pro" panose="020B0503030403020204" pitchFamily="34" charset="0"/>
+              </a:rPr>
+              <a:t>	Blink LEDs consecutively @ </a:t>
+            </a:r>
+            <a:r>
+              <a:rPr lang="en-US" sz="2000" dirty="0" err="1">
+                <a:latin typeface="Source Sans Pro" panose="020B0503030403020204" pitchFamily="34" charset="0"/>
+                <a:ea typeface="Source Sans Pro" panose="020B0503030403020204" pitchFamily="34" charset="0"/>
+              </a:rPr>
+              <a:t>currentTemp</a:t>
+            </a:r>
+            <a:r>
+              <a:rPr lang="en-US" sz="2000" dirty="0">
+                <a:latin typeface="Source Sans Pro" panose="020B0503030403020204" pitchFamily="34" charset="0"/>
+                <a:ea typeface="Source Sans Pro" panose="020B0503030403020204" pitchFamily="34" charset="0"/>
+              </a:rPr>
+              <a:t> (signify 4 beats per measure)</a:t>
+            </a:r>
+          </a:p>
+          <a:p>
+            <a:r>
+              <a:rPr lang="en-US" sz="2000" dirty="0">
+                <a:latin typeface="Source Sans Pro" panose="020B0503030403020204" pitchFamily="34" charset="0"/>
+                <a:ea typeface="Source Sans Pro" panose="020B0503030403020204" pitchFamily="34" charset="0"/>
+              </a:rPr>
+              <a:t>	</a:t>
+            </a:r>
+            <a:r>
+              <a:rPr lang="en-US" sz="2000" dirty="0" err="1">
+                <a:latin typeface="Source Sans Pro" panose="020B0503030403020204" pitchFamily="34" charset="0"/>
+                <a:ea typeface="Source Sans Pro" panose="020B0503030403020204" pitchFamily="34" charset="0"/>
+              </a:rPr>
+              <a:t>driveMotor</a:t>
+            </a:r>
+            <a:r>
+              <a:rPr lang="en-US" sz="2000" dirty="0">
+                <a:latin typeface="Source Sans Pro" panose="020B0503030403020204" pitchFamily="34" charset="0"/>
+                <a:ea typeface="Source Sans Pro" panose="020B0503030403020204" pitchFamily="34" charset="0"/>
+              </a:rPr>
+              <a:t>(</a:t>
+            </a:r>
+            <a:r>
+              <a:rPr lang="en-US" sz="2000" dirty="0" err="1">
+                <a:latin typeface="Source Sans Pro" panose="020B0503030403020204" pitchFamily="34" charset="0"/>
+                <a:ea typeface="Source Sans Pro" panose="020B0503030403020204" pitchFamily="34" charset="0"/>
+              </a:rPr>
+              <a:t>hh,currentTemp</a:t>
+            </a:r>
+            <a:r>
+              <a:rPr lang="en-US" sz="2000" dirty="0">
+                <a:latin typeface="Source Sans Pro" panose="020B0503030403020204" pitchFamily="34" charset="0"/>
+                <a:ea typeface="Source Sans Pro" panose="020B0503030403020204" pitchFamily="34" charset="0"/>
+              </a:rPr>
+              <a:t>)</a:t>
+            </a:r>
+          </a:p>
+          <a:p>
+            <a:r>
+              <a:rPr lang="en-US" sz="2000" dirty="0">
+                <a:latin typeface="Source Sans Pro" panose="020B0503030403020204" pitchFamily="34" charset="0"/>
+                <a:ea typeface="Source Sans Pro" panose="020B0503030403020204" pitchFamily="34" charset="0"/>
+              </a:rPr>
+              <a:t>	</a:t>
+            </a:r>
+          </a:p>
+          <a:p>
+            <a:r>
+              <a:rPr lang="en-US" sz="2000" dirty="0">
+                <a:latin typeface="Source Sans Pro" panose="020B0503030403020204" pitchFamily="34" charset="0"/>
+                <a:ea typeface="Source Sans Pro" panose="020B0503030403020204" pitchFamily="34" charset="0"/>
+              </a:rPr>
+              <a:t>	</a:t>
+            </a:r>
+          </a:p>
+          <a:p>
+            <a:r>
+              <a:rPr lang="en-US" sz="2000" dirty="0">
+                <a:latin typeface="Source Sans Pro" panose="020B0503030403020204" pitchFamily="34" charset="0"/>
+                <a:ea typeface="Source Sans Pro" panose="020B0503030403020204" pitchFamily="34" charset="0"/>
+              </a:rPr>
+              <a:t> </a:t>
+            </a:r>
+          </a:p>
+        </p:txBody>
+      </p:sp>
+      <p:sp>
+        <p:nvSpPr>
+          <p:cNvPr id="3" name="TextBox 2">
+            <a:extLst>
+              <a:ext uri="{FF2B5EF4-FFF2-40B4-BE49-F238E27FC236}">
+                <a16:creationId xmlns:a16="http://schemas.microsoft.com/office/drawing/2014/main" id="{4CC41DC8-453D-1DE5-0C9A-961F9A9EB41C}"/>
+              </a:ext>
+            </a:extLst>
+          </p:cNvPr>
+          <p:cNvSpPr txBox="1"/>
+          <p:nvPr/>
+        </p:nvSpPr>
+        <p:spPr>
+          <a:xfrm>
+            <a:off x="304800" y="419100"/>
+            <a:ext cx="8382000" cy="553998"/>
+          </a:xfrm>
+          <a:prstGeom prst="rect">
+            <a:avLst/>
+          </a:prstGeom>
+          <a:noFill/>
+        </p:spPr>
+        <p:txBody>
+          <a:bodyPr wrap="square" rtlCol="0">
+            <a:spAutoFit/>
+          </a:bodyPr>
+          <a:lstStyle/>
+          <a:p>
+            <a:r>
+              <a:rPr lang="en-US" sz="3000" b="1" dirty="0">
+                <a:latin typeface="Source Sans Pro" panose="020B0503030403020204" pitchFamily="34" charset="0"/>
+                <a:ea typeface="Source Sans Pro" panose="020B0503030403020204" pitchFamily="34" charset="0"/>
+              </a:rPr>
+              <a:t>OVERARCHING SOFTWARE SETUP</a:t>
+            </a:r>
+          </a:p>
+        </p:txBody>
+      </p:sp>
+    </p:spTree>
+    <p:extLst>
+      <p:ext uri="{BB962C8B-B14F-4D97-AF65-F5344CB8AC3E}">
+        <p14:creationId xmlns:p14="http://schemas.microsoft.com/office/powerpoint/2010/main" val="1303608402"/>
+      </p:ext>
+    </p:extLst>
+  </p:cSld>
+  <p:clrMapOvr>
+    <a:masterClrMapping/>
+  </p:clrMapOvr>
+  <mc:AlternateContent xmlns:mc="http://schemas.openxmlformats.org/markup-compatibility/2006" xmlns:p14="http://schemas.microsoft.com/office/powerpoint/2010/main">
+    <mc:Choice Requires="p14">
+      <p:transition spd="med" p14:dur="700">
+        <p:fade/>
+      </p:transition>
+    </mc:Choice>
+    <mc:Fallback xmlns="">
+      <p:transition spd="med">
+        <p:fade/>
+      </p:transition>
+    </mc:Fallback>
+  </mc:AlternateContent>
+</p:sld>
+</file>
+
+<file path=ppt/slides/slide7.xml><?xml version="1.0" encoding="utf-8"?>
+<p:sld xmlns:a="http://schemas.openxmlformats.org/drawingml/2006/main" xmlns:r="http://schemas.openxmlformats.org/officeDocument/2006/relationships" xmlns:p="http://schemas.openxmlformats.org/presentationml/2006/main">
+  <p:cSld>
+    <p:spTree>
+      <p:nvGrpSpPr>
+        <p:cNvPr id="1" name=""/>
+        <p:cNvGrpSpPr/>
+        <p:nvPr/>
+      </p:nvGrpSpPr>
+      <p:grpSpPr>
+        <a:xfrm>
+          <a:off x="0" y="0"/>
+          <a:ext cx="0" cy="0"/>
+          <a:chOff x="0" y="0"/>
+          <a:chExt cx="0" cy="0"/>
+        </a:xfrm>
+      </p:grpSpPr>
+      <p:sp>
+        <p:nvSpPr>
+          <p:cNvPr id="2" name="TextBox 1">
+            <a:extLst>
+              <a:ext uri="{FF2B5EF4-FFF2-40B4-BE49-F238E27FC236}">
+                <a16:creationId xmlns:a16="http://schemas.microsoft.com/office/drawing/2014/main" id="{6B4F87B2-49C7-0FD6-942A-8A81E05EE72D}"/>
+              </a:ext>
+            </a:extLst>
+          </p:cNvPr>
+          <p:cNvSpPr txBox="1"/>
+          <p:nvPr/>
+        </p:nvSpPr>
+        <p:spPr>
+          <a:xfrm>
+            <a:off x="990600" y="1219200"/>
+            <a:ext cx="11696700" cy="3170099"/>
+          </a:xfrm>
+          <a:prstGeom prst="rect">
+            <a:avLst/>
+          </a:prstGeom>
+          <a:noFill/>
+        </p:spPr>
+        <p:txBody>
+          <a:bodyPr wrap="square" rtlCol="0">
+            <a:spAutoFit/>
+          </a:bodyPr>
+          <a:lstStyle/>
+          <a:p>
+            <a:r>
+              <a:rPr lang="en-US" sz="2000" dirty="0" err="1">
+                <a:latin typeface="Source Sans Pro" panose="020B0503030403020204" pitchFamily="34" charset="0"/>
+                <a:ea typeface="Source Sans Pro" panose="020B0503030403020204" pitchFamily="34" charset="0"/>
+              </a:rPr>
+              <a:t>ledBlink</a:t>
+            </a:r>
+            <a:r>
+              <a:rPr lang="en-US" sz="2000" dirty="0">
+                <a:latin typeface="Source Sans Pro" panose="020B0503030403020204" pitchFamily="34" charset="0"/>
+                <a:ea typeface="Source Sans Pro" panose="020B0503030403020204" pitchFamily="34" charset="0"/>
+              </a:rPr>
+              <a:t>(tempo)</a:t>
+            </a:r>
+          </a:p>
+          <a:p>
+            <a:pPr marL="285750" indent="-285750">
+              <a:buFont typeface="Arial" panose="020B0604020202020204" pitchFamily="34" charset="0"/>
+              <a:buChar char="•"/>
+            </a:pPr>
+            <a:r>
+              <a:rPr lang="en-US" sz="2000" dirty="0">
+                <a:latin typeface="Source Sans Pro" panose="020B0503030403020204" pitchFamily="34" charset="0"/>
+                <a:ea typeface="Source Sans Pro" panose="020B0503030403020204" pitchFamily="34" charset="0"/>
+              </a:rPr>
+              <a:t>Takes integer bpm as input</a:t>
+            </a:r>
+          </a:p>
+          <a:p>
+            <a:pPr marL="285750" indent="-285750">
+              <a:buFont typeface="Arial" panose="020B0604020202020204" pitchFamily="34" charset="0"/>
+              <a:buChar char="•"/>
+            </a:pPr>
+            <a:r>
+              <a:rPr lang="en-US" sz="2000" dirty="0">
+                <a:latin typeface="Source Sans Pro" panose="020B0503030403020204" pitchFamily="34" charset="0"/>
+                <a:ea typeface="Source Sans Pro" panose="020B0503030403020204" pitchFamily="34" charset="0"/>
+              </a:rPr>
+              <a:t>Activates individual LEDs consecutively to generate visual 4-beat measure</a:t>
+            </a:r>
+          </a:p>
+          <a:p>
+            <a:pPr marL="285750" indent="-285750">
+              <a:buFont typeface="Arial" panose="020B0604020202020204" pitchFamily="34" charset="0"/>
+              <a:buChar char="•"/>
+            </a:pPr>
+            <a:endParaRPr lang="en-US" sz="2000" dirty="0">
+              <a:latin typeface="Source Sans Pro" panose="020B0503030403020204" pitchFamily="34" charset="0"/>
+              <a:ea typeface="Source Sans Pro" panose="020B0503030403020204" pitchFamily="34" charset="0"/>
+            </a:endParaRPr>
+          </a:p>
+          <a:p>
+            <a:r>
+              <a:rPr lang="en-US" sz="2000" dirty="0" err="1">
+                <a:latin typeface="Source Sans Pro" panose="020B0503030403020204" pitchFamily="34" charset="0"/>
+                <a:ea typeface="Source Sans Pro" panose="020B0503030403020204" pitchFamily="34" charset="0"/>
+              </a:rPr>
+              <a:t>driveMotor</a:t>
+            </a:r>
+            <a:r>
+              <a:rPr lang="en-US" sz="2000" dirty="0">
+                <a:latin typeface="Source Sans Pro" panose="020B0503030403020204" pitchFamily="34" charset="0"/>
+                <a:ea typeface="Source Sans Pro" panose="020B0503030403020204" pitchFamily="34" charset="0"/>
+              </a:rPr>
+              <a:t>(type, tempo)</a:t>
+            </a:r>
+          </a:p>
+          <a:p>
+            <a:pPr marL="285750" indent="-285750">
+              <a:buFont typeface="Arial" panose="020B0604020202020204" pitchFamily="34" charset="0"/>
+              <a:buChar char="•"/>
+            </a:pPr>
+            <a:r>
+              <a:rPr lang="en-US" sz="2000" dirty="0">
+                <a:latin typeface="Source Sans Pro" panose="020B0503030403020204" pitchFamily="34" charset="0"/>
+                <a:ea typeface="Source Sans Pro" panose="020B0503030403020204" pitchFamily="34" charset="0"/>
+              </a:rPr>
+              <a:t>Takes string drum type (</a:t>
+            </a:r>
+            <a:r>
+              <a:rPr lang="en-US" sz="2000" dirty="0" err="1">
+                <a:latin typeface="Source Sans Pro" panose="020B0503030403020204" pitchFamily="34" charset="0"/>
+                <a:ea typeface="Source Sans Pro" panose="020B0503030403020204" pitchFamily="34" charset="0"/>
+              </a:rPr>
+              <a:t>hh</a:t>
+            </a:r>
+            <a:r>
+              <a:rPr lang="en-US" sz="2000" dirty="0">
+                <a:latin typeface="Source Sans Pro" panose="020B0503030403020204" pitchFamily="34" charset="0"/>
+                <a:ea typeface="Source Sans Pro" panose="020B0503030403020204" pitchFamily="34" charset="0"/>
+              </a:rPr>
+              <a:t> = “High hat”, td = “Tom drum”) and integer bpm as input</a:t>
+            </a:r>
+          </a:p>
+          <a:p>
+            <a:pPr marL="285750" indent="-285750">
+              <a:buFont typeface="Arial" panose="020B0604020202020204" pitchFamily="34" charset="0"/>
+              <a:buChar char="•"/>
+            </a:pPr>
+            <a:r>
+              <a:rPr lang="en-US" sz="2000" dirty="0">
+                <a:latin typeface="Source Sans Pro" panose="020B0503030403020204" pitchFamily="34" charset="0"/>
+                <a:ea typeface="Source Sans Pro" panose="020B0503030403020204" pitchFamily="34" charset="0"/>
+              </a:rPr>
+              <a:t>Drives motor through custom rhythm prescribed by drum type at input bpm</a:t>
+            </a:r>
+          </a:p>
+          <a:p>
+            <a:r>
+              <a:rPr lang="en-US" sz="2000" dirty="0">
+                <a:latin typeface="Source Sans Pro" panose="020B0503030403020204" pitchFamily="34" charset="0"/>
+                <a:ea typeface="Source Sans Pro" panose="020B0503030403020204" pitchFamily="34" charset="0"/>
+              </a:rPr>
+              <a:t>	</a:t>
+            </a:r>
+          </a:p>
+          <a:p>
+            <a:r>
+              <a:rPr lang="en-US" sz="2000" dirty="0">
+                <a:latin typeface="Source Sans Pro" panose="020B0503030403020204" pitchFamily="34" charset="0"/>
+                <a:ea typeface="Source Sans Pro" panose="020B0503030403020204" pitchFamily="34" charset="0"/>
+              </a:rPr>
+              <a:t>	</a:t>
+            </a:r>
+          </a:p>
+          <a:p>
+            <a:r>
+              <a:rPr lang="en-US" sz="2000" dirty="0">
+                <a:latin typeface="Source Sans Pro" panose="020B0503030403020204" pitchFamily="34" charset="0"/>
+                <a:ea typeface="Source Sans Pro" panose="020B0503030403020204" pitchFamily="34" charset="0"/>
+              </a:rPr>
+              <a:t> </a:t>
+            </a:r>
+          </a:p>
+        </p:txBody>
+      </p:sp>
+      <p:sp>
+        <p:nvSpPr>
+          <p:cNvPr id="3" name="TextBox 2">
+            <a:extLst>
+              <a:ext uri="{FF2B5EF4-FFF2-40B4-BE49-F238E27FC236}">
+                <a16:creationId xmlns:a16="http://schemas.microsoft.com/office/drawing/2014/main" id="{96A160E6-FC34-B193-DA3C-5F744B66659C}"/>
+              </a:ext>
+            </a:extLst>
+          </p:cNvPr>
+          <p:cNvSpPr txBox="1"/>
+          <p:nvPr/>
+        </p:nvSpPr>
+        <p:spPr>
+          <a:xfrm>
+            <a:off x="495300" y="419100"/>
+            <a:ext cx="8382000" cy="553998"/>
+          </a:xfrm>
+          <a:prstGeom prst="rect">
+            <a:avLst/>
+          </a:prstGeom>
+          <a:noFill/>
+        </p:spPr>
+        <p:txBody>
+          <a:bodyPr wrap="square" rtlCol="0">
+            <a:spAutoFit/>
+          </a:bodyPr>
+          <a:lstStyle/>
+          <a:p>
+            <a:r>
+              <a:rPr lang="en-US" sz="3000" b="1" dirty="0">
+                <a:latin typeface="Source Sans Pro" panose="020B0503030403020204" pitchFamily="34" charset="0"/>
+                <a:ea typeface="Source Sans Pro" panose="020B0503030403020204" pitchFamily="34" charset="0"/>
+              </a:rPr>
+              <a:t>SPECIFIC FUNCTIONS</a:t>
+            </a:r>
+          </a:p>
+        </p:txBody>
+      </p:sp>
+    </p:spTree>
+    <p:extLst>
+      <p:ext uri="{BB962C8B-B14F-4D97-AF65-F5344CB8AC3E}">
+        <p14:creationId xmlns:p14="http://schemas.microsoft.com/office/powerpoint/2010/main" val="3600884199"/>
       </p:ext>
     </p:extLst>
   </p:cSld>

--- a/project-01/docs/Cooney_project_01_proposal.pptx
+++ b/project-01/docs/Cooney_project_01_proposal.pptx
@@ -220,7 +220,7 @@
           <a:p>
             <a:fld id="{59041DB8-B66F-4DC8-A96E-33677E0F90FF}" type="datetimeFigureOut">
               <a:rPr lang="en-US" smtClean="0"/>
-              <a:t>2/16/23</a:t>
+              <a:t>2/19/23</a:t>
             </a:fld>
             <a:endParaRPr lang="en-US"/>
           </a:p>
@@ -385,7 +385,7 @@
           <a:p>
             <a:fld id="{DEB49C4A-65AC-492D-9701-81B46C3AD0E4}" type="datetimeFigureOut">
               <a:rPr lang="en-US" smtClean="0"/>
-              <a:t>2/16/23</a:t>
+              <a:t>2/19/23</a:t>
             </a:fld>
             <a:endParaRPr lang="en-US"/>
           </a:p>
@@ -2793,7 +2793,7 @@
           <a:p>
             <a:fld id="{384A29A4-78C8-47AB-BA06-22CB45938951}" type="datetime1">
               <a:rPr lang="en-US" smtClean="0"/>
-              <a:t>2/16/23</a:t>
+              <a:t>2/19/23</a:t>
             </a:fld>
             <a:endParaRPr lang="en-US"/>
           </a:p>
@@ -2988,7 +2988,7 @@
           <a:p>
             <a:fld id="{E1ED4ACF-2D82-46F2-A8E9-23963AA34E86}" type="datetime1">
               <a:rPr lang="en-US" smtClean="0"/>
-              <a:t>2/16/23</a:t>
+              <a:t>2/19/23</a:t>
             </a:fld>
             <a:endParaRPr lang="en-US"/>
           </a:p>
@@ -3182,7 +3182,7 @@
           <a:p>
             <a:fld id="{AE374B5B-21A0-4192-BF4C-38187F1A68D8}" type="datetime1">
               <a:rPr lang="en-US" smtClean="0"/>
-              <a:t>2/16/23</a:t>
+              <a:t>2/19/23</a:t>
             </a:fld>
             <a:endParaRPr lang="en-US"/>
           </a:p>
@@ -5523,7 +5523,7 @@
           <a:p>
             <a:fld id="{33B5CF7C-B333-48E1-A4A6-83A3C8B73AC0}" type="datetime1">
               <a:rPr lang="en-US" smtClean="0"/>
-              <a:t>2/16/23</a:t>
+              <a:t>2/19/23</a:t>
             </a:fld>
             <a:endParaRPr lang="en-US"/>
           </a:p>
@@ -5976,7 +5976,7 @@
           <a:p>
             <a:fld id="{AE320762-5CBF-4210-AB54-376B091119F8}" type="datetime1">
               <a:rPr lang="en-US" smtClean="0"/>
-              <a:t>2/16/23</a:t>
+              <a:t>2/19/23</a:t>
             </a:fld>
             <a:endParaRPr lang="en-US"/>
           </a:p>
@@ -6108,7 +6108,7 @@
           <a:p>
             <a:fld id="{7F0DB371-BF5F-4058-A212-1A908E4D2674}" type="datetime1">
               <a:rPr lang="en-US" smtClean="0"/>
-              <a:t>2/16/23</a:t>
+              <a:t>2/19/23</a:t>
             </a:fld>
             <a:endParaRPr lang="en-US"/>
           </a:p>
@@ -8041,7 +8041,7 @@
           <a:p>
             <a:fld id="{60A4083B-90AA-48CF-BAD5-00AA24D7F288}" type="datetime1">
               <a:rPr lang="en-US" smtClean="0"/>
-              <a:t>2/16/23</a:t>
+              <a:t>2/19/23</a:t>
             </a:fld>
             <a:endParaRPr lang="en-US"/>
           </a:p>
@@ -10300,7 +10300,7 @@
             <a:fld id="{F5BAF629-ECA2-4CF3-B790-9D9BDED98269}" type="datetime1">
               <a:rPr lang="en-US" smtClean="0"/>
               <a:pPr/>
-              <a:t>2/16/23</a:t>
+              <a:t>2/19/23</a:t>
             </a:fld>
             <a:endParaRPr lang="en-US"/>
           </a:p>
@@ -14595,7 +14595,7 @@
             <a:fld id="{B51B2453-8663-4C69-AF73-9FD7B1DEC5D0}" type="datetime1">
               <a:rPr lang="en-US" smtClean="0"/>
               <a:pPr/>
-              <a:t>2/16/23</a:t>
+              <a:t>2/19/23</a:t>
             </a:fld>
             <a:endParaRPr lang="en-US" dirty="0"/>
           </a:p>

--- a/project-01/docs/Cooney_project_01_proposal.pptx
+++ b/project-01/docs/Cooney_project_01_proposal.pptx
@@ -220,7 +220,7 @@
           <a:p>
             <a:fld id="{59041DB8-B66F-4DC8-A96E-33677E0F90FF}" type="datetimeFigureOut">
               <a:rPr lang="en-US" smtClean="0"/>
-              <a:t>2/19/23</a:t>
+              <a:t>3/4/23</a:t>
             </a:fld>
             <a:endParaRPr lang="en-US"/>
           </a:p>
@@ -385,7 +385,7 @@
           <a:p>
             <a:fld id="{DEB49C4A-65AC-492D-9701-81B46C3AD0E4}" type="datetimeFigureOut">
               <a:rPr lang="en-US" smtClean="0"/>
-              <a:t>2/19/23</a:t>
+              <a:t>3/4/23</a:t>
             </a:fld>
             <a:endParaRPr lang="en-US"/>
           </a:p>
@@ -2793,7 +2793,7 @@
           <a:p>
             <a:fld id="{384A29A4-78C8-47AB-BA06-22CB45938951}" type="datetime1">
               <a:rPr lang="en-US" smtClean="0"/>
-              <a:t>2/19/23</a:t>
+              <a:t>3/4/23</a:t>
             </a:fld>
             <a:endParaRPr lang="en-US"/>
           </a:p>
@@ -2988,7 +2988,7 @@
           <a:p>
             <a:fld id="{E1ED4ACF-2D82-46F2-A8E9-23963AA34E86}" type="datetime1">
               <a:rPr lang="en-US" smtClean="0"/>
-              <a:t>2/19/23</a:t>
+              <a:t>3/4/23</a:t>
             </a:fld>
             <a:endParaRPr lang="en-US"/>
           </a:p>
@@ -3182,7 +3182,7 @@
           <a:p>
             <a:fld id="{AE374B5B-21A0-4192-BF4C-38187F1A68D8}" type="datetime1">
               <a:rPr lang="en-US" smtClean="0"/>
-              <a:t>2/19/23</a:t>
+              <a:t>3/4/23</a:t>
             </a:fld>
             <a:endParaRPr lang="en-US"/>
           </a:p>
@@ -5523,7 +5523,7 @@
           <a:p>
             <a:fld id="{33B5CF7C-B333-48E1-A4A6-83A3C8B73AC0}" type="datetime1">
               <a:rPr lang="en-US" smtClean="0"/>
-              <a:t>2/19/23</a:t>
+              <a:t>3/4/23</a:t>
             </a:fld>
             <a:endParaRPr lang="en-US"/>
           </a:p>
@@ -5976,7 +5976,7 @@
           <a:p>
             <a:fld id="{AE320762-5CBF-4210-AB54-376B091119F8}" type="datetime1">
               <a:rPr lang="en-US" smtClean="0"/>
-              <a:t>2/19/23</a:t>
+              <a:t>3/4/23</a:t>
             </a:fld>
             <a:endParaRPr lang="en-US"/>
           </a:p>
@@ -6108,7 +6108,7 @@
           <a:p>
             <a:fld id="{7F0DB371-BF5F-4058-A212-1A908E4D2674}" type="datetime1">
               <a:rPr lang="en-US" smtClean="0"/>
-              <a:t>2/19/23</a:t>
+              <a:t>3/4/23</a:t>
             </a:fld>
             <a:endParaRPr lang="en-US"/>
           </a:p>
@@ -8041,7 +8041,7 @@
           <a:p>
             <a:fld id="{60A4083B-90AA-48CF-BAD5-00AA24D7F288}" type="datetime1">
               <a:rPr lang="en-US" smtClean="0"/>
-              <a:t>2/19/23</a:t>
+              <a:t>3/4/23</a:t>
             </a:fld>
             <a:endParaRPr lang="en-US"/>
           </a:p>
@@ -10300,7 +10300,7 @@
             <a:fld id="{F5BAF629-ECA2-4CF3-B790-9D9BDED98269}" type="datetime1">
               <a:rPr lang="en-US" smtClean="0"/>
               <a:pPr/>
-              <a:t>2/19/23</a:t>
+              <a:t>3/4/23</a:t>
             </a:fld>
             <a:endParaRPr lang="en-US"/>
           </a:p>
@@ -14595,7 +14595,7 @@
             <a:fld id="{B51B2453-8663-4C69-AF73-9FD7B1DEC5D0}" type="datetime1">
               <a:rPr lang="en-US" smtClean="0"/>
               <a:pPr/>
-              <a:t>2/19/23</a:t>
+              <a:t>3/4/23</a:t>
             </a:fld>
             <a:endParaRPr lang="en-US" dirty="0"/>
           </a:p>

--- a/project-01/docs/Cooney_project_01_proposal.pptx
+++ b/project-01/docs/Cooney_project_01_proposal.pptx
@@ -220,7 +220,7 @@
           <a:p>
             <a:fld id="{59041DB8-B66F-4DC8-A96E-33677E0F90FF}" type="datetimeFigureOut">
               <a:rPr lang="en-US" smtClean="0"/>
-              <a:t>3/4/23</a:t>
+              <a:t>3/22/23</a:t>
             </a:fld>
             <a:endParaRPr lang="en-US"/>
           </a:p>
@@ -385,7 +385,7 @@
           <a:p>
             <a:fld id="{DEB49C4A-65AC-492D-9701-81B46C3AD0E4}" type="datetimeFigureOut">
               <a:rPr lang="en-US" smtClean="0"/>
-              <a:t>3/4/23</a:t>
+              <a:t>3/22/23</a:t>
             </a:fld>
             <a:endParaRPr lang="en-US"/>
           </a:p>
@@ -2793,7 +2793,7 @@
           <a:p>
             <a:fld id="{384A29A4-78C8-47AB-BA06-22CB45938951}" type="datetime1">
               <a:rPr lang="en-US" smtClean="0"/>
-              <a:t>3/4/23</a:t>
+              <a:t>3/22/23</a:t>
             </a:fld>
             <a:endParaRPr lang="en-US"/>
           </a:p>
@@ -2988,7 +2988,7 @@
           <a:p>
             <a:fld id="{E1ED4ACF-2D82-46F2-A8E9-23963AA34E86}" type="datetime1">
               <a:rPr lang="en-US" smtClean="0"/>
-              <a:t>3/4/23</a:t>
+              <a:t>3/22/23</a:t>
             </a:fld>
             <a:endParaRPr lang="en-US"/>
           </a:p>
@@ -3182,7 +3182,7 @@
           <a:p>
             <a:fld id="{AE374B5B-21A0-4192-BF4C-38187F1A68D8}" type="datetime1">
               <a:rPr lang="en-US" smtClean="0"/>
-              <a:t>3/4/23</a:t>
+              <a:t>3/22/23</a:t>
             </a:fld>
             <a:endParaRPr lang="en-US"/>
           </a:p>
@@ -5523,7 +5523,7 @@
           <a:p>
             <a:fld id="{33B5CF7C-B333-48E1-A4A6-83A3C8B73AC0}" type="datetime1">
               <a:rPr lang="en-US" smtClean="0"/>
-              <a:t>3/4/23</a:t>
+              <a:t>3/22/23</a:t>
             </a:fld>
             <a:endParaRPr lang="en-US"/>
           </a:p>
@@ -5976,7 +5976,7 @@
           <a:p>
             <a:fld id="{AE320762-5CBF-4210-AB54-376B091119F8}" type="datetime1">
               <a:rPr lang="en-US" smtClean="0"/>
-              <a:t>3/4/23</a:t>
+              <a:t>3/22/23</a:t>
             </a:fld>
             <a:endParaRPr lang="en-US"/>
           </a:p>
@@ -6108,7 +6108,7 @@
           <a:p>
             <a:fld id="{7F0DB371-BF5F-4058-A212-1A908E4D2674}" type="datetime1">
               <a:rPr lang="en-US" smtClean="0"/>
-              <a:t>3/4/23</a:t>
+              <a:t>3/22/23</a:t>
             </a:fld>
             <a:endParaRPr lang="en-US"/>
           </a:p>
@@ -8041,7 +8041,7 @@
           <a:p>
             <a:fld id="{60A4083B-90AA-48CF-BAD5-00AA24D7F288}" type="datetime1">
               <a:rPr lang="en-US" smtClean="0"/>
-              <a:t>3/4/23</a:t>
+              <a:t>3/22/23</a:t>
             </a:fld>
             <a:endParaRPr lang="en-US"/>
           </a:p>
@@ -10300,7 +10300,7 @@
             <a:fld id="{F5BAF629-ECA2-4CF3-B790-9D9BDED98269}" type="datetime1">
               <a:rPr lang="en-US" smtClean="0"/>
               <a:pPr/>
-              <a:t>3/4/23</a:t>
+              <a:t>3/22/23</a:t>
             </a:fld>
             <a:endParaRPr lang="en-US"/>
           </a:p>
@@ -14595,7 +14595,7 @@
             <a:fld id="{B51B2453-8663-4C69-AF73-9FD7B1DEC5D0}" type="datetime1">
               <a:rPr lang="en-US" smtClean="0"/>
               <a:pPr/>
-              <a:t>3/4/23</a:t>
+              <a:t>3/22/23</a:t>
             </a:fld>
             <a:endParaRPr lang="en-US" dirty="0"/>
           </a:p>
